--- a/Intro to Natural Language Processing.pptx
+++ b/Intro to Natural Language Processing.pptx
@@ -214,7 +214,7 @@
           <a:effectLst/>
           <a:extLst>
             <a:ext uri="{91240B29-F687-4f45-9708-019B960494DF}">
-              <a14:hiddenLine xmlns="" xmlns:a14="http://schemas.microsoft.com/office/drawing/2010/main" w="9525">
+              <a14:hiddenLine xmlns:a14="http://schemas.microsoft.com/office/drawing/2010/main" xmlns="" w="9525">
                 <a:solidFill>
                   <a:srgbClr val="000000"/>
                 </a:solidFill>
@@ -1724,7 +1724,7 @@
           <a:ln/>
           <a:extLst>
             <a:ext uri="{91240B29-F687-4f45-9708-019B960494DF}">
-              <a14:hiddenLine xmlns="" xmlns:a14="http://schemas.microsoft.com/office/drawing/2010/main" w="9525">
+              <a14:hiddenLine xmlns:a14="http://schemas.microsoft.com/office/drawing/2010/main" xmlns="" w="9525">
                 <a:solidFill>
                   <a:srgbClr val="000000"/>
                 </a:solidFill>
@@ -1996,7 +1996,7 @@
           <a:ln/>
           <a:extLst>
             <a:ext uri="{91240B29-F687-4f45-9708-019B960494DF}">
-              <a14:hiddenLine xmlns="" xmlns:a14="http://schemas.microsoft.com/office/drawing/2010/main" w="9525">
+              <a14:hiddenLine xmlns:a14="http://schemas.microsoft.com/office/drawing/2010/main" xmlns="" w="9525">
                 <a:solidFill>
                   <a:srgbClr val="000000"/>
                 </a:solidFill>
@@ -2276,7 +2276,7 @@
           <a:ln/>
           <a:extLst>
             <a:ext uri="{91240B29-F687-4f45-9708-019B960494DF}">
-              <a14:hiddenLine xmlns="" xmlns:a14="http://schemas.microsoft.com/office/drawing/2010/main" w="9525">
+              <a14:hiddenLine xmlns:a14="http://schemas.microsoft.com/office/drawing/2010/main" xmlns="" w="9525">
                 <a:solidFill>
                   <a:srgbClr val="000000"/>
                 </a:solidFill>
@@ -2896,7 +2896,7 @@
           <a:ln/>
           <a:extLst>
             <a:ext uri="{91240B29-F687-4f45-9708-019B960494DF}">
-              <a14:hiddenLine xmlns="" xmlns:a14="http://schemas.microsoft.com/office/drawing/2010/main" w="9525">
+              <a14:hiddenLine xmlns:a14="http://schemas.microsoft.com/office/drawing/2010/main" xmlns="" w="9525">
                 <a:solidFill>
                   <a:srgbClr val="000000"/>
                 </a:solidFill>
@@ -3232,7 +3232,7 @@
           <a:ln/>
           <a:extLst>
             <a:ext uri="{91240B29-F687-4f45-9708-019B960494DF}">
-              <a14:hiddenLine xmlns="" xmlns:a14="http://schemas.microsoft.com/office/drawing/2010/main" w="9525">
+              <a14:hiddenLine xmlns:a14="http://schemas.microsoft.com/office/drawing/2010/main" xmlns="" w="9525">
                 <a:solidFill>
                   <a:srgbClr val="000000"/>
                 </a:solidFill>
@@ -3706,7 +3706,7 @@
           <a:ln/>
           <a:extLst>
             <a:ext uri="{91240B29-F687-4f45-9708-019B960494DF}">
-              <a14:hiddenLine xmlns="" xmlns:a14="http://schemas.microsoft.com/office/drawing/2010/main" w="9525">
+              <a14:hiddenLine xmlns:a14="http://schemas.microsoft.com/office/drawing/2010/main" xmlns="" w="9525">
                 <a:solidFill>
                   <a:srgbClr val="000000"/>
                 </a:solidFill>
@@ -4129,7 +4129,7 @@
           <a:ln/>
           <a:extLst>
             <a:ext uri="{91240B29-F687-4f45-9708-019B960494DF}">
-              <a14:hiddenLine xmlns="" xmlns:a14="http://schemas.microsoft.com/office/drawing/2010/main" w="9525">
+              <a14:hiddenLine xmlns:a14="http://schemas.microsoft.com/office/drawing/2010/main" xmlns="" w="9525">
                 <a:solidFill>
                   <a:srgbClr val="000000"/>
                 </a:solidFill>
@@ -8313,14 +8313,14 @@
             <p:ph idx="1"/>
             <p:extLst>
               <p:ext uri="{D42A27DB-BD31-4B8C-83A1-F6EECF244321}">
-                <p14:modId xmlns:p14="http://schemas.microsoft.com/office/powerpoint/2010/main" val="1058377796"/>
+                <p14:modId xmlns:p14="http://schemas.microsoft.com/office/powerpoint/2010/main" val="4106089537"/>
               </p:ext>
             </p:extLst>
           </p:nvPr>
         </p:nvGraphicFramePr>
         <p:xfrm>
           <a:off x="313267" y="2222500"/>
-          <a:ext cx="11582400" cy="4079240"/>
+          <a:ext cx="11719228" cy="4079240"/>
         </p:xfrm>
         <a:graphic>
           <a:graphicData uri="http://schemas.openxmlformats.org/drawingml/2006/table">
@@ -8329,14 +8329,14 @@
                 <a:tableStyleId>{5C22544A-7EE6-4342-B048-85BDC9FD1C3A}</a:tableStyleId>
               </a:tblPr>
               <a:tblGrid>
-                <a:gridCol w="2878666">
+                <a:gridCol w="3241993">
                   <a:extLst>
                     <a:ext uri="{9D8B030D-6E8A-4147-A177-3AD203B41FA5}">
                       <a16:colId xmlns:a16="http://schemas.microsoft.com/office/drawing/2014/main" val="1477315373"/>
                     </a:ext>
                   </a:extLst>
                 </a:gridCol>
-                <a:gridCol w="2057400">
+                <a:gridCol w="1830901">
                   <a:extLst>
                     <a:ext uri="{9D8B030D-6E8A-4147-A177-3AD203B41FA5}">
                       <a16:colId xmlns:a16="http://schemas.microsoft.com/office/drawing/2014/main" val="3391888039"/>
@@ -8451,59 +8451,59 @@
                     <a:p>
                       <a:r>
                         <a:rPr lang="tr-TR" dirty="0"/>
-                        <a:t>('sayılı', 'maddesi')</a:t>
-                      </a:r>
-                    </a:p>
-                  </a:txBody>
-                  <a:tcPr/>
-                </a:tc>
-                <a:tc>
-                  <a:txBody>
-                    <a:bodyPr/>
-                    <a:lstStyle/>
-                    <a:p>
-                      <a:r>
-                        <a:rPr lang="tr-TR" dirty="0"/>
-                        <a:t>1247</a:t>
-                      </a:r>
-                    </a:p>
-                  </a:txBody>
-                  <a:tcPr/>
-                </a:tc>
-                <a:tc>
-                  <a:txBody>
-                    <a:bodyPr/>
-                    <a:lstStyle/>
-                    <a:p>
-                      <a:r>
-                        <a:rPr lang="tr-TR" dirty="0"/>
-                        <a:t>1405</a:t>
-                      </a:r>
-                    </a:p>
-                  </a:txBody>
-                  <a:tcPr/>
-                </a:tc>
-                <a:tc>
-                  <a:txBody>
-                    <a:bodyPr/>
-                    <a:lstStyle/>
-                    <a:p>
-                      <a:r>
-                        <a:rPr lang="tr-TR" dirty="0"/>
-                        <a:t>22558</a:t>
-                      </a:r>
-                    </a:p>
-                  </a:txBody>
-                  <a:tcPr/>
-                </a:tc>
-                <a:tc>
-                  <a:txBody>
-                    <a:bodyPr/>
-                    <a:lstStyle/>
-                    <a:p>
-                      <a:r>
-                        <a:rPr lang="tr-TR" dirty="0"/>
-                        <a:t>4576759.445319098</a:t>
+                        <a:t>('vicdani', 'kanının')</a:t>
+                      </a:r>
+                    </a:p>
+                  </a:txBody>
+                  <a:tcPr/>
+                </a:tc>
+                <a:tc>
+                  <a:txBody>
+                    <a:bodyPr/>
+                    <a:lstStyle/>
+                    <a:p>
+                      <a:r>
+                        <a:rPr lang="tr-TR" dirty="0"/>
+                        <a:t>2</a:t>
+                      </a:r>
+                    </a:p>
+                  </a:txBody>
+                  <a:tcPr/>
+                </a:tc>
+                <a:tc>
+                  <a:txBody>
+                    <a:bodyPr/>
+                    <a:lstStyle/>
+                    <a:p>
+                      <a:r>
+                        <a:rPr lang="tr-TR" dirty="0"/>
+                        <a:t>12</a:t>
+                      </a:r>
+                    </a:p>
+                  </a:txBody>
+                  <a:tcPr/>
+                </a:tc>
+                <a:tc>
+                  <a:txBody>
+                    <a:bodyPr/>
+                    <a:lstStyle/>
+                    <a:p>
+                      <a:r>
+                        <a:rPr lang="tr-TR" dirty="0"/>
+                        <a:t>4122</a:t>
+                      </a:r>
+                    </a:p>
+                  </a:txBody>
+                  <a:tcPr/>
+                </a:tc>
+                <a:tc>
+                  <a:txBody>
+                    <a:bodyPr/>
+                    <a:lstStyle/>
+                    <a:p>
+                      <a:r>
+                        <a:rPr lang="tr-TR" dirty="0"/>
+                        <a:t>5115986.775805956</a:t>
                       </a:r>
                     </a:p>
                   </a:txBody>
@@ -8523,59 +8523,59 @@
                     <a:p>
                       <a:r>
                         <a:rPr lang="tr-TR" dirty="0"/>
-                        <a:t>('bölge', 'adliye')</a:t>
-                      </a:r>
-                    </a:p>
-                  </a:txBody>
-                  <a:tcPr/>
-                </a:tc>
-                <a:tc>
-                  <a:txBody>
-                    <a:bodyPr/>
-                    <a:lstStyle/>
-                    <a:p>
-                      <a:r>
-                        <a:rPr lang="tr-TR" dirty="0"/>
-                        <a:t>77</a:t>
-                      </a:r>
-                    </a:p>
-                  </a:txBody>
-                  <a:tcPr/>
-                </a:tc>
-                <a:tc>
-                  <a:txBody>
-                    <a:bodyPr/>
-                    <a:lstStyle/>
-                    <a:p>
-                      <a:r>
-                        <a:rPr lang="tr-TR" dirty="0"/>
-                        <a:t>64</a:t>
-                      </a:r>
-                    </a:p>
-                  </a:txBody>
-                  <a:tcPr/>
-                </a:tc>
-                <a:tc>
-                  <a:txBody>
-                    <a:bodyPr/>
-                    <a:lstStyle/>
-                    <a:p>
-                      <a:r>
-                        <a:rPr lang="tr-TR" dirty="0"/>
-                        <a:t>19038</a:t>
-                      </a:r>
-                    </a:p>
-                  </a:txBody>
-                  <a:tcPr/>
-                </a:tc>
-                <a:tc>
-                  <a:txBody>
-                    <a:bodyPr/>
-                    <a:lstStyle/>
-                    <a:p>
-                      <a:r>
-                        <a:rPr lang="tr-TR" dirty="0"/>
-                        <a:t>5095435.188313278</a:t>
+                        <a:t>('sürecini', 'yansıtan')</a:t>
+                      </a:r>
+                    </a:p>
+                  </a:txBody>
+                  <a:tcPr/>
+                </a:tc>
+                <a:tc>
+                  <a:txBody>
+                    <a:bodyPr/>
+                    <a:lstStyle/>
+                    <a:p>
+                      <a:r>
+                        <a:rPr lang="tr-TR" dirty="0"/>
+                        <a:t>4</a:t>
+                      </a:r>
+                    </a:p>
+                  </a:txBody>
+                  <a:tcPr/>
+                </a:tc>
+                <a:tc>
+                  <a:txBody>
+                    <a:bodyPr/>
+                    <a:lstStyle/>
+                    <a:p>
+                      <a:r>
+                        <a:rPr lang="tr-TR" dirty="0"/>
+                        <a:t>7</a:t>
+                      </a:r>
+                    </a:p>
+                  </a:txBody>
+                  <a:tcPr/>
+                </a:tc>
+                <a:tc>
+                  <a:txBody>
+                    <a:bodyPr/>
+                    <a:lstStyle/>
+                    <a:p>
+                      <a:r>
+                        <a:rPr lang="tr-TR" dirty="0"/>
+                        <a:t>3041</a:t>
+                      </a:r>
+                    </a:p>
+                  </a:txBody>
+                  <a:tcPr/>
+                </a:tc>
+                <a:tc>
+                  <a:txBody>
+                    <a:bodyPr/>
+                    <a:lstStyle/>
+                    <a:p>
+                      <a:r>
+                        <a:rPr lang="tr-TR" dirty="0"/>
+                        <a:t>5114855.878778612</a:t>
                       </a:r>
                     </a:p>
                   </a:txBody>
@@ -8595,59 +8595,59 @@
                     <a:p>
                       <a:r>
                         <a:rPr lang="tr-TR" dirty="0"/>
-                        <a:t>('maddesi', 'uyarınca')</a:t>
-                      </a:r>
-                    </a:p>
-                  </a:txBody>
-                  <a:tcPr/>
-                </a:tc>
-                <a:tc>
-                  <a:txBody>
-                    <a:bodyPr/>
-                    <a:lstStyle/>
-                    <a:p>
-                      <a:r>
-                        <a:rPr lang="tr-TR" dirty="0"/>
-                        <a:t>229</a:t>
-                      </a:r>
-                    </a:p>
-                  </a:txBody>
-                  <a:tcPr/>
-                </a:tc>
-                <a:tc>
-                  <a:txBody>
-                    <a:bodyPr/>
-                    <a:lstStyle/>
-                    <a:p>
-                      <a:r>
-                        <a:rPr lang="tr-TR" dirty="0"/>
-                        <a:t>724</a:t>
-                      </a:r>
-                    </a:p>
-                  </a:txBody>
-                  <a:tcPr/>
-                </a:tc>
-                <a:tc>
-                  <a:txBody>
-                    <a:bodyPr/>
-                    <a:lstStyle/>
-                    <a:p>
-                      <a:r>
-                        <a:rPr lang="tr-TR" dirty="0"/>
-                        <a:t>17213</a:t>
-                      </a:r>
-                    </a:p>
-                  </a:txBody>
-                  <a:tcPr/>
-                </a:tc>
-                <a:tc>
-                  <a:txBody>
-                    <a:bodyPr/>
-                    <a:lstStyle/>
-                    <a:p>
-                      <a:r>
-                        <a:rPr lang="tr-TR" dirty="0"/>
-                        <a:t>4860585.076408336</a:t>
+                        <a:t>('bölge', 'adliye')</a:t>
+                      </a:r>
+                    </a:p>
+                  </a:txBody>
+                  <a:tcPr/>
+                </a:tc>
+                <a:tc>
+                  <a:txBody>
+                    <a:bodyPr/>
+                    <a:lstStyle/>
+                    <a:p>
+                      <a:r>
+                        <a:rPr lang="tr-TR" dirty="0"/>
+                        <a:t>77</a:t>
+                      </a:r>
+                    </a:p>
+                  </a:txBody>
+                  <a:tcPr/>
+                </a:tc>
+                <a:tc>
+                  <a:txBody>
+                    <a:bodyPr/>
+                    <a:lstStyle/>
+                    <a:p>
+                      <a:r>
+                        <a:rPr lang="tr-TR" dirty="0"/>
+                        <a:t>64</a:t>
+                      </a:r>
+                    </a:p>
+                  </a:txBody>
+                  <a:tcPr/>
+                </a:tc>
+                <a:tc>
+                  <a:txBody>
+                    <a:bodyPr/>
+                    <a:lstStyle/>
+                    <a:p>
+                      <a:r>
+                        <a:rPr lang="tr-TR" dirty="0"/>
+                        <a:t>19038</a:t>
+                      </a:r>
+                    </a:p>
+                  </a:txBody>
+                  <a:tcPr/>
+                </a:tc>
+                <a:tc>
+                  <a:txBody>
+                    <a:bodyPr/>
+                    <a:lstStyle/>
+                    <a:p>
+                      <a:r>
+                        <a:rPr lang="tr-TR" dirty="0"/>
+                        <a:t>5095435.188313278</a:t>
                       </a:r>
                     </a:p>
                   </a:txBody>
@@ -8667,59 +8667,59 @@
                     <a:p>
                       <a:r>
                         <a:rPr lang="tr-TR" dirty="0"/>
-                        <a:t>('adliye', 'mahkemesi')</a:t>
-                      </a:r>
-                    </a:p>
-                  </a:txBody>
-                  <a:tcPr/>
-                </a:tc>
-                <a:tc>
-                  <a:txBody>
-                    <a:bodyPr/>
-                    <a:lstStyle/>
-                    <a:p>
-                      <a:r>
-                        <a:rPr lang="tr-TR" dirty="0"/>
-                        <a:t>66</a:t>
-                      </a:r>
-                    </a:p>
-                  </a:txBody>
-                  <a:tcPr/>
-                </a:tc>
-                <a:tc>
-                  <a:txBody>
-                    <a:bodyPr/>
-                    <a:lstStyle/>
-                    <a:p>
-                      <a:r>
-                        <a:rPr lang="tr-TR" dirty="0"/>
-                        <a:t>235</a:t>
-                      </a:r>
-                    </a:p>
-                  </a:txBody>
-                  <a:tcPr/>
-                </a:tc>
-                <a:tc>
-                  <a:txBody>
-                    <a:bodyPr/>
-                    <a:lstStyle/>
-                    <a:p>
-                      <a:r>
-                        <a:rPr lang="tr-TR" dirty="0"/>
-                        <a:t>12905</a:t>
-                      </a:r>
-                    </a:p>
-                  </a:txBody>
-                  <a:tcPr/>
-                </a:tc>
-                <a:tc>
-                  <a:txBody>
-                    <a:bodyPr/>
-                    <a:lstStyle/>
-                    <a:p>
-                      <a:r>
-                        <a:rPr lang="tr-TR" dirty="0"/>
-                        <a:t>5015627.533300244</a:t>
+                        <a:t>('oy', 'birliğiyle')</a:t>
+                      </a:r>
+                    </a:p>
+                  </a:txBody>
+                  <a:tcPr/>
+                </a:tc>
+                <a:tc>
+                  <a:txBody>
+                    <a:bodyPr/>
+                    <a:lstStyle/>
+                    <a:p>
+                      <a:r>
+                        <a:rPr lang="tr-TR" dirty="0"/>
+                        <a:t>1</a:t>
+                      </a:r>
+                    </a:p>
+                  </a:txBody>
+                  <a:tcPr/>
+                </a:tc>
+                <a:tc>
+                  <a:txBody>
+                    <a:bodyPr/>
+                    <a:lstStyle/>
+                    <a:p>
+                      <a:r>
+                        <a:rPr lang="tr-TR" dirty="0"/>
+                        <a:t>101</a:t>
+                      </a:r>
+                    </a:p>
+                  </a:txBody>
+                  <a:tcPr/>
+                </a:tc>
+                <a:tc>
+                  <a:txBody>
+                    <a:bodyPr/>
+                    <a:lstStyle/>
+                    <a:p>
+                      <a:r>
+                        <a:rPr lang="tr-TR" dirty="0"/>
+                        <a:t>10997</a:t>
+                      </a:r>
+                    </a:p>
+                  </a:txBody>
+                  <a:tcPr/>
+                </a:tc>
+                <a:tc>
+                  <a:txBody>
+                    <a:bodyPr/>
+                    <a:lstStyle/>
+                    <a:p>
+                      <a:r>
+                        <a:rPr lang="tr-TR" dirty="0"/>
+                        <a:t>5086102.825629701</a:t>
                       </a:r>
                     </a:p>
                   </a:txBody>
@@ -8739,59 +8739,59 @@
                     <a:p>
                       <a:r>
                         <a:rPr lang="tr-TR" dirty="0"/>
-                        <a:t>('maddesi', 'gereğince')</a:t>
-                      </a:r>
-                    </a:p>
-                  </a:txBody>
-                  <a:tcPr/>
-                </a:tc>
-                <a:tc>
-                  <a:txBody>
-                    <a:bodyPr/>
-                    <a:lstStyle/>
-                    <a:p>
-                      <a:r>
-                        <a:rPr lang="tr-TR" dirty="0"/>
-                        <a:t>193</a:t>
-                      </a:r>
-                    </a:p>
-                  </a:txBody>
-                  <a:tcPr/>
-                </a:tc>
-                <a:tc>
-                  <a:txBody>
-                    <a:bodyPr/>
-                    <a:lstStyle/>
-                    <a:p>
-                      <a:r>
-                        <a:rPr lang="tr-TR" dirty="0"/>
-                        <a:t>724</a:t>
-                      </a:r>
-                    </a:p>
-                  </a:txBody>
-                  <a:tcPr/>
-                </a:tc>
-                <a:tc>
-                  <a:txBody>
-                    <a:bodyPr/>
-                    <a:lstStyle/>
-                    <a:p>
-                      <a:r>
-                        <a:rPr lang="tr-TR" dirty="0"/>
-                        <a:t>11693</a:t>
-                      </a:r>
-                    </a:p>
-                  </a:txBody>
-                  <a:tcPr/>
-                </a:tc>
-                <a:tc>
-                  <a:txBody>
-                    <a:bodyPr/>
-                    <a:lstStyle/>
-                    <a:p>
-                      <a:r>
-                        <a:rPr lang="tr-TR" dirty="0"/>
-                        <a:t>4754705.7744502695</a:t>
+                        <a:t>('tetkik', 'hakimi')</a:t>
+                      </a:r>
+                    </a:p>
+                  </a:txBody>
+                  <a:tcPr/>
+                </a:tc>
+                <a:tc>
+                  <a:txBody>
+                    <a:bodyPr/>
+                    <a:lstStyle/>
+                    <a:p>
+                      <a:r>
+                        <a:rPr lang="tr-TR" dirty="0"/>
+                        <a:t>10</a:t>
+                      </a:r>
+                    </a:p>
+                  </a:txBody>
+                  <a:tcPr/>
+                </a:tc>
+                <a:tc>
+                  <a:txBody>
+                    <a:bodyPr/>
+                    <a:lstStyle/>
+                    <a:p>
+                      <a:r>
+                        <a:rPr lang="tr-TR" dirty="0"/>
+                        <a:t>40</a:t>
+                      </a:r>
+                    </a:p>
+                  </a:txBody>
+                  <a:tcPr/>
+                </a:tc>
+                <a:tc>
+                  <a:txBody>
+                    <a:bodyPr/>
+                    <a:lstStyle/>
+                    <a:p>
+                      <a:r>
+                        <a:rPr lang="tr-TR" dirty="0"/>
+                        <a:t>4088</a:t>
+                      </a:r>
+                    </a:p>
+                  </a:txBody>
+                  <a:tcPr/>
+                </a:tc>
+                <a:tc>
+                  <a:txBody>
+                    <a:bodyPr/>
+                    <a:lstStyle/>
+                    <a:p>
+                      <a:r>
+                        <a:rPr lang="tr-TR" dirty="0"/>
+                        <a:t>5071187.1414731275</a:t>
                       </a:r>
                     </a:p>
                   </a:txBody>
@@ -8811,59 +8811,59 @@
                     <a:p>
                       <a:r>
                         <a:rPr lang="tr-TR" dirty="0"/>
-                        <a:t>('oy', 'birliğiyle')</a:t>
-                      </a:r>
-                    </a:p>
-                  </a:txBody>
-                  <a:tcPr/>
-                </a:tc>
-                <a:tc>
-                  <a:txBody>
-                    <a:bodyPr/>
-                    <a:lstStyle/>
-                    <a:p>
-                      <a:r>
-                        <a:rPr lang="tr-TR" dirty="0"/>
-                        <a:t>1</a:t>
-                      </a:r>
-                    </a:p>
-                  </a:txBody>
-                  <a:tcPr/>
-                </a:tc>
-                <a:tc>
-                  <a:txBody>
-                    <a:bodyPr/>
-                    <a:lstStyle/>
-                    <a:p>
-                      <a:r>
-                        <a:rPr lang="tr-TR" dirty="0"/>
-                        <a:t>101</a:t>
-                      </a:r>
-                    </a:p>
-                  </a:txBody>
-                  <a:tcPr/>
-                </a:tc>
-                <a:tc>
-                  <a:txBody>
-                    <a:bodyPr/>
-                    <a:lstStyle/>
-                    <a:p>
-                      <a:r>
-                        <a:rPr lang="tr-TR" dirty="0"/>
-                        <a:t>10997</a:t>
-                      </a:r>
-                    </a:p>
-                  </a:txBody>
-                  <a:tcPr/>
-                </a:tc>
-                <a:tc>
-                  <a:txBody>
-                    <a:bodyPr/>
-                    <a:lstStyle/>
-                    <a:p>
-                      <a:r>
-                        <a:rPr lang="tr-TR" dirty="0"/>
-                        <a:t>5086102.825629701</a:t>
+                        <a:t>('yürürlüğe', 'giren')</a:t>
+                      </a:r>
+                    </a:p>
+                  </a:txBody>
+                  <a:tcPr/>
+                </a:tc>
+                <a:tc>
+                  <a:txBody>
+                    <a:bodyPr/>
+                    <a:lstStyle/>
+                    <a:p>
+                      <a:r>
+                        <a:rPr lang="tr-TR" dirty="0"/>
+                        <a:t>49</a:t>
+                      </a:r>
+                    </a:p>
+                  </a:txBody>
+                  <a:tcPr/>
+                </a:tc>
+                <a:tc>
+                  <a:txBody>
+                    <a:bodyPr/>
+                    <a:lstStyle/>
+                    <a:p>
+                      <a:r>
+                        <a:rPr lang="tr-TR" dirty="0"/>
+                        <a:t>56</a:t>
+                      </a:r>
+                    </a:p>
+                  </a:txBody>
+                  <a:tcPr/>
+                </a:tc>
+                <a:tc>
+                  <a:txBody>
+                    <a:bodyPr/>
+                    <a:lstStyle/>
+                    <a:p>
+                      <a:r>
+                        <a:rPr lang="tr-TR" dirty="0"/>
+                        <a:t>7107</a:t>
+                      </a:r>
+                    </a:p>
+                  </a:txBody>
+                  <a:tcPr/>
+                </a:tc>
+                <a:tc>
+                  <a:txBody>
+                    <a:bodyPr/>
+                    <a:lstStyle/>
+                    <a:p>
+                      <a:r>
+                        <a:rPr lang="tr-TR" dirty="0"/>
+                        <a:t>5058271.684264942</a:t>
                       </a:r>
                     </a:p>
                   </a:txBody>
@@ -8883,59 +8883,59 @@
                     <a:p>
                       <a:r>
                         <a:rPr lang="tr-TR" dirty="0"/>
-                        <a:t>('birliğiyle', 'karar')</a:t>
-                      </a:r>
-                    </a:p>
-                  </a:txBody>
-                  <a:tcPr/>
-                </a:tc>
-                <a:tc>
-                  <a:txBody>
-                    <a:bodyPr/>
-                    <a:lstStyle/>
-                    <a:p>
-                      <a:r>
-                        <a:rPr lang="tr-TR" dirty="0"/>
-                        <a:t>1540</a:t>
-                      </a:r>
-                    </a:p>
-                  </a:txBody>
-                  <a:tcPr/>
-                </a:tc>
-                <a:tc>
-                  <a:txBody>
-                    <a:bodyPr/>
-                    <a:lstStyle/>
-                    <a:p>
-                      <a:r>
-                        <a:rPr lang="tr-TR" dirty="0"/>
-                        <a:t>4</a:t>
-                      </a:r>
-                    </a:p>
-                  </a:txBody>
-                  <a:tcPr/>
-                </a:tc>
-                <a:tc>
-                  <a:txBody>
-                    <a:bodyPr/>
-                    <a:lstStyle/>
-                    <a:p>
-                      <a:r>
-                        <a:rPr lang="tr-TR" dirty="0"/>
-                        <a:t>10994</a:t>
-                      </a:r>
-                    </a:p>
-                  </a:txBody>
-                  <a:tcPr/>
-                </a:tc>
-                <a:tc>
-                  <a:txBody>
-                    <a:bodyPr/>
-                    <a:lstStyle/>
-                    <a:p>
-                      <a:r>
-                        <a:rPr lang="tr-TR" dirty="0"/>
-                        <a:t>4499674.632444755</a:t>
+                        <a:t>('adliye', 'mahkemesi')</a:t>
+                      </a:r>
+                    </a:p>
+                  </a:txBody>
+                  <a:tcPr/>
+                </a:tc>
+                <a:tc>
+                  <a:txBody>
+                    <a:bodyPr/>
+                    <a:lstStyle/>
+                    <a:p>
+                      <a:r>
+                        <a:rPr lang="tr-TR" dirty="0"/>
+                        <a:t>66</a:t>
+                      </a:r>
+                    </a:p>
+                  </a:txBody>
+                  <a:tcPr/>
+                </a:tc>
+                <a:tc>
+                  <a:txBody>
+                    <a:bodyPr/>
+                    <a:lstStyle/>
+                    <a:p>
+                      <a:r>
+                        <a:rPr lang="tr-TR" dirty="0"/>
+                        <a:t>235</a:t>
+                      </a:r>
+                    </a:p>
+                  </a:txBody>
+                  <a:tcPr/>
+                </a:tc>
+                <a:tc>
+                  <a:txBody>
+                    <a:bodyPr/>
+                    <a:lstStyle/>
+                    <a:p>
+                      <a:r>
+                        <a:rPr lang="tr-TR" dirty="0"/>
+                        <a:t>12905</a:t>
+                      </a:r>
+                    </a:p>
+                  </a:txBody>
+                  <a:tcPr/>
+                </a:tc>
+                <a:tc>
+                  <a:txBody>
+                    <a:bodyPr/>
+                    <a:lstStyle/>
+                    <a:p>
+                      <a:r>
+                        <a:rPr lang="tr-TR" dirty="0"/>
+                        <a:t>5015627.533300244</a:t>
                       </a:r>
                     </a:p>
                   </a:txBody>
@@ -8955,59 +8955,59 @@
                     <a:p>
                       <a:r>
                         <a:rPr lang="tr-TR" dirty="0"/>
-                        <a:t>('tarihinde', 'oy')</a:t>
-                      </a:r>
-                    </a:p>
-                  </a:txBody>
-                  <a:tcPr/>
-                </a:tc>
-                <a:tc>
-                  <a:txBody>
-                    <a:bodyPr/>
-                    <a:lstStyle/>
-                    <a:p>
-                      <a:r>
-                        <a:rPr lang="tr-TR" dirty="0"/>
-                        <a:t>94</a:t>
-                      </a:r>
-                    </a:p>
-                  </a:txBody>
-                  <a:tcPr/>
-                </a:tc>
-                <a:tc>
-                  <a:txBody>
-                    <a:bodyPr/>
-                    <a:lstStyle/>
-                    <a:p>
-                      <a:r>
-                        <a:rPr lang="tr-TR" dirty="0"/>
-                        <a:t>1701</a:t>
-                      </a:r>
-                    </a:p>
-                  </a:txBody>
-                  <a:tcPr/>
-                </a:tc>
-                <a:tc>
-                  <a:txBody>
-                    <a:bodyPr/>
-                    <a:lstStyle/>
-                    <a:p>
-                      <a:r>
-                        <a:rPr lang="tr-TR" dirty="0"/>
-                        <a:t>10221</a:t>
-                      </a:r>
-                    </a:p>
-                  </a:txBody>
-                  <a:tcPr/>
-                </a:tc>
-                <a:tc>
-                  <a:txBody>
-                    <a:bodyPr/>
-                    <a:lstStyle/>
-                    <a:p>
-                      <a:r>
-                        <a:rPr lang="tr-TR" dirty="0"/>
-                        <a:t>4359309.418223716</a:t>
+                        <a:t>('yayımlanarak', 'yürürlüğe')</a:t>
+                      </a:r>
+                    </a:p>
+                  </a:txBody>
+                  <a:tcPr/>
+                </a:tc>
+                <a:tc>
+                  <a:txBody>
+                    <a:bodyPr/>
+                    <a:lstStyle/>
+                    <a:p>
+                      <a:r>
+                        <a:rPr lang="tr-TR" dirty="0"/>
+                        <a:t>89</a:t>
+                      </a:r>
+                    </a:p>
+                  </a:txBody>
+                  <a:tcPr/>
+                </a:tc>
+                <a:tc>
+                  <a:txBody>
+                    <a:bodyPr/>
+                    <a:lstStyle/>
+                    <a:p>
+                      <a:r>
+                        <a:rPr lang="tr-TR" dirty="0"/>
+                        <a:t>8</a:t>
+                      </a:r>
+                    </a:p>
+                  </a:txBody>
+                  <a:tcPr/>
+                </a:tc>
+                <a:tc>
+                  <a:txBody>
+                    <a:bodyPr/>
+                    <a:lstStyle/>
+                    <a:p>
+                      <a:r>
+                        <a:rPr lang="tr-TR" dirty="0"/>
+                        <a:t>4009</a:t>
+                      </a:r>
+                    </a:p>
+                  </a:txBody>
+                  <a:tcPr/>
+                </a:tc>
+                <a:tc>
+                  <a:txBody>
+                    <a:bodyPr/>
+                    <a:lstStyle/>
+                    <a:p>
+                      <a:r>
+                        <a:rPr lang="tr-TR" dirty="0"/>
+                        <a:t>5011801.282978763</a:t>
                       </a:r>
                     </a:p>
                   </a:txBody>
@@ -9027,59 +9027,59 @@
                     <a:p>
                       <a:r>
                         <a:rPr lang="tr-TR" dirty="0"/>
-                        <a:t>('karar', 'hüküm')</a:t>
-                      </a:r>
-                    </a:p>
-                  </a:txBody>
-                  <a:tcPr/>
-                </a:tc>
-                <a:tc>
-                  <a:txBody>
-                    <a:bodyPr/>
-                    <a:lstStyle/>
-                    <a:p>
-                      <a:r>
-                        <a:rPr lang="tr-TR" dirty="0"/>
-                        <a:t>1077</a:t>
-                      </a:r>
-                    </a:p>
-                  </a:txBody>
-                  <a:tcPr/>
-                </a:tc>
-                <a:tc>
-                  <a:txBody>
-                    <a:bodyPr/>
-                    <a:lstStyle/>
-                    <a:p>
-                      <a:r>
-                        <a:rPr lang="tr-TR" dirty="0"/>
-                        <a:t>1724</a:t>
-                      </a:r>
-                    </a:p>
-                  </a:txBody>
-                  <a:tcPr/>
-                </a:tc>
-                <a:tc>
-                  <a:txBody>
-                    <a:bodyPr/>
-                    <a:lstStyle/>
-                    <a:p>
-                      <a:r>
-                        <a:rPr lang="tr-TR" dirty="0"/>
-                        <a:t>10218</a:t>
-                      </a:r>
-                    </a:p>
-                  </a:txBody>
-                  <a:tcPr/>
-                </a:tc>
-                <a:tc>
-                  <a:txBody>
-                    <a:bodyPr/>
-                    <a:lstStyle/>
-                    <a:p>
-                      <a:r>
-                        <a:rPr lang="tr-TR" dirty="0"/>
-                        <a:t>3971042.7634419077</a:t>
+                        <a:t>('kanının', 'oluştuğu')</a:t>
+                      </a:r>
+                    </a:p>
+                  </a:txBody>
+                  <a:tcPr/>
+                </a:tc>
+                <a:tc>
+                  <a:txBody>
+                    <a:bodyPr/>
+                    <a:lstStyle/>
+                    <a:p>
+                      <a:r>
+                        <a:rPr lang="tr-TR" dirty="0"/>
+                        <a:t>79</a:t>
+                      </a:r>
+                    </a:p>
+                  </a:txBody>
+                  <a:tcPr/>
+                </a:tc>
+                <a:tc>
+                  <a:txBody>
+                    <a:bodyPr/>
+                    <a:lstStyle/>
+                    <a:p>
+                      <a:r>
+                        <a:rPr lang="tr-TR" dirty="0"/>
+                        <a:t>5</a:t>
+                      </a:r>
+                    </a:p>
+                  </a:txBody>
+                  <a:tcPr/>
+                </a:tc>
+                <a:tc>
+                  <a:txBody>
+                    <a:bodyPr/>
+                    <a:lstStyle/>
+                    <a:p>
+                      <a:r>
+                        <a:rPr lang="tr-TR" dirty="0"/>
+                        <a:t>3024</a:t>
+                      </a:r>
+                    </a:p>
+                  </a:txBody>
+                  <a:tcPr/>
+                </a:tc>
+                <a:tc>
+                  <a:txBody>
+                    <a:bodyPr/>
+                    <a:lstStyle/>
+                    <a:p>
+                      <a:r>
+                        <a:rPr lang="tr-TR" dirty="0"/>
+                        <a:t>4994352.008758476</a:t>
                       </a:r>
                     </a:p>
                   </a:txBody>
@@ -9099,60 +9099,61 @@
                     <a:p>
                       <a:r>
                         <a:rPr lang="tr-TR" dirty="0"/>
-                        <a:t>('temyiz', 'itirazlarının')</a:t>
-                      </a:r>
-                    </a:p>
-                  </a:txBody>
-                  <a:tcPr/>
-                </a:tc>
-                <a:tc>
-                  <a:txBody>
-                    <a:bodyPr/>
-                    <a:lstStyle/>
-                    <a:p>
-                      <a:r>
-                        <a:rPr lang="tr-TR" dirty="0"/>
-                        <a:t>47</a:t>
-                      </a:r>
-                    </a:p>
-                  </a:txBody>
-                  <a:tcPr/>
-                </a:tc>
-                <a:tc>
-                  <a:txBody>
-                    <a:bodyPr/>
-                    <a:lstStyle/>
-                    <a:p>
-                      <a:r>
-                        <a:rPr lang="tr-TR" dirty="0"/>
-                        <a:t>936</a:t>
-                      </a:r>
-                    </a:p>
-                  </a:txBody>
-                  <a:tcPr/>
-                </a:tc>
-                <a:tc>
-                  <a:txBody>
-                    <a:bodyPr/>
-                    <a:lstStyle/>
-                    <a:p>
-                      <a:r>
-                        <a:rPr lang="tr-TR" dirty="0"/>
-                        <a:t>9998</a:t>
-                      </a:r>
-                    </a:p>
-                  </a:txBody>
-                  <a:tcPr/>
-                </a:tc>
-                <a:tc>
-                  <a:txBody>
-                    <a:bodyPr/>
-                    <a:lstStyle/>
-                    <a:p>
-                      <a:r>
-                        <a:rPr lang="tr-TR" dirty="0"/>
-                        <a:t>4671077.853614774</a:t>
-                      </a:r>
+                        <a:t>('gününde', 'oybirliğiyle')</a:t>
+                      </a:r>
+                    </a:p>
+                  </a:txBody>
+                  <a:tcPr/>
+                </a:tc>
+                <a:tc>
+                  <a:txBody>
+                    <a:bodyPr/>
+                    <a:lstStyle/>
+                    <a:p>
+                      <a:r>
+                        <a:rPr lang="tr-TR" dirty="0"/>
+                        <a:t>50</a:t>
+                      </a:r>
+                    </a:p>
+                  </a:txBody>
+                  <a:tcPr/>
+                </a:tc>
+                <a:tc>
+                  <a:txBody>
+                    <a:bodyPr/>
+                    <a:lstStyle/>
+                    <a:p>
+                      <a:r>
+                        <a:rPr lang="tr-TR" dirty="0"/>
+                        <a:t>59</a:t>
+                      </a:r>
+                    </a:p>
+                  </a:txBody>
+                  <a:tcPr/>
+                </a:tc>
+                <a:tc>
+                  <a:txBody>
+                    <a:bodyPr/>
+                    <a:lstStyle/>
+                    <a:p>
+                      <a:r>
+                        <a:rPr lang="tr-TR" dirty="0"/>
+                        <a:t>3895</a:t>
+                      </a:r>
+                    </a:p>
+                  </a:txBody>
+                  <a:tcPr/>
+                </a:tc>
+                <a:tc>
+                  <a:txBody>
+                    <a:bodyPr/>
+                    <a:lstStyle/>
+                    <a:p>
+                      <a:r>
+                        <a:rPr lang="tr-TR"/>
+                        <a:t>4992587.147843973</a:t>
+                      </a:r>
+                      <a:endParaRPr lang="tr-TR" dirty="0"/>
                     </a:p>
                   </a:txBody>
                   <a:tcPr/>
@@ -9269,7 +9270,7 @@
             <p:ph idx="1"/>
             <p:extLst>
               <p:ext uri="{D42A27DB-BD31-4B8C-83A1-F6EECF244321}">
-                <p14:modId xmlns:p14="http://schemas.microsoft.com/office/powerpoint/2010/main" val="4119444463"/>
+                <p14:modId xmlns:p14="http://schemas.microsoft.com/office/powerpoint/2010/main" val="36760980"/>
               </p:ext>
             </p:extLst>
           </p:nvPr>
@@ -9423,59 +9424,59 @@
                     <a:p>
                       <a:r>
                         <a:rPr lang="tr-TR" dirty="0"/>
-                        <a:t>('sayılı', 'maddesi')</a:t>
-                      </a:r>
-                    </a:p>
-                  </a:txBody>
-                  <a:tcPr/>
-                </a:tc>
-                <a:tc>
-                  <a:txBody>
-                    <a:bodyPr/>
-                    <a:lstStyle/>
-                    <a:p>
-                      <a:r>
-                        <a:rPr lang="tr-TR" dirty="0"/>
-                        <a:t>105792</a:t>
-                      </a:r>
-                    </a:p>
-                  </a:txBody>
-                  <a:tcPr/>
-                </a:tc>
-                <a:tc>
-                  <a:txBody>
-                    <a:bodyPr/>
-                    <a:lstStyle/>
-                    <a:p>
-                      <a:r>
-                        <a:rPr lang="tr-TR" dirty="0"/>
-                        <a:t>54512</a:t>
-                      </a:r>
-                    </a:p>
-                  </a:txBody>
-                  <a:tcPr/>
-                </a:tc>
-                <a:tc>
-                  <a:txBody>
-                    <a:bodyPr/>
-                    <a:lstStyle/>
-                    <a:p>
-                      <a:r>
-                        <a:rPr lang="tr-TR" dirty="0"/>
-                        <a:t>22558</a:t>
-                      </a:r>
-                    </a:p>
-                  </a:txBody>
-                  <a:tcPr/>
-                </a:tc>
-                <a:tc>
-                  <a:txBody>
-                    <a:bodyPr/>
-                    <a:lstStyle/>
-                    <a:p>
-                      <a:r>
-                        <a:rPr lang="tr-TR" dirty="0"/>
-                        <a:t>4.327673055659069</a:t>
+                        <a:t>('vicdani', 'kanının')</a:t>
+                      </a:r>
+                    </a:p>
+                  </a:txBody>
+                  <a:tcPr/>
+                </a:tc>
+                <a:tc>
+                  <a:txBody>
+                    <a:bodyPr/>
+                    <a:lstStyle/>
+                    <a:p>
+                      <a:r>
+                        <a:rPr lang="tr-TR" dirty="0"/>
+                        <a:t>4181</a:t>
+                      </a:r>
+                    </a:p>
+                  </a:txBody>
+                  <a:tcPr/>
+                </a:tc>
+                <a:tc>
+                  <a:txBody>
+                    <a:bodyPr/>
+                    <a:lstStyle/>
+                    <a:p>
+                      <a:r>
+                        <a:rPr lang="tr-TR" dirty="0"/>
+                        <a:t>4693</a:t>
+                      </a:r>
+                    </a:p>
+                  </a:txBody>
+                  <a:tcPr/>
+                </a:tc>
+                <a:tc>
+                  <a:txBody>
+                    <a:bodyPr/>
+                    <a:lstStyle/>
+                    <a:p>
+                      <a:r>
+                        <a:rPr lang="tr-TR" dirty="0"/>
+                        <a:t>4122</a:t>
+                      </a:r>
+                    </a:p>
+                  </a:txBody>
+                  <a:tcPr/>
+                </a:tc>
+                <a:tc>
+                  <a:txBody>
+                    <a:bodyPr/>
+                    <a:lstStyle/>
+                    <a:p>
+                      <a:r>
+                        <a:rPr lang="tr-TR" dirty="0"/>
+                        <a:t>10.074680470394556</a:t>
                       </a:r>
                     </a:p>
                   </a:txBody>
@@ -9495,59 +9496,59 @@
                     <a:p>
                       <a:r>
                         <a:rPr lang="tr-TR" dirty="0"/>
-                        <a:t>('bölge', 'adliye')</a:t>
-                      </a:r>
-                    </a:p>
-                  </a:txBody>
-                  <a:tcPr/>
-                </a:tc>
-                <a:tc>
-                  <a:txBody>
-                    <a:bodyPr/>
-                    <a:lstStyle/>
-                    <a:p>
-                      <a:r>
-                        <a:rPr lang="tr-TR" dirty="0"/>
-                        <a:t>20538</a:t>
-                      </a:r>
-                    </a:p>
-                  </a:txBody>
-                  <a:tcPr/>
-                </a:tc>
-                <a:tc>
-                  <a:txBody>
-                    <a:bodyPr/>
-                    <a:lstStyle/>
-                    <a:p>
-                      <a:r>
-                        <a:rPr lang="tr-TR" dirty="0"/>
-                        <a:t>19315</a:t>
-                      </a:r>
-                    </a:p>
-                  </a:txBody>
-                  <a:tcPr/>
-                </a:tc>
-                <a:tc>
-                  <a:txBody>
-                    <a:bodyPr/>
-                    <a:lstStyle/>
-                    <a:p>
-                      <a:r>
-                        <a:rPr lang="tr-TR" dirty="0"/>
-                        <a:t>19038</a:t>
-                      </a:r>
-                    </a:p>
-                  </a:txBody>
-                  <a:tcPr/>
-                </a:tc>
-                <a:tc>
-                  <a:txBody>
-                    <a:bodyPr/>
-                    <a:lstStyle/>
-                    <a:p>
-                      <a:r>
-                        <a:rPr lang="tr-TR" dirty="0"/>
-                        <a:t>7.944630925716207</a:t>
+                        <a:t>('sürecini', 'yansıtan')</a:t>
+                      </a:r>
+                    </a:p>
+                  </a:txBody>
+                  <a:tcPr/>
+                </a:tc>
+                <a:tc>
+                  <a:txBody>
+                    <a:bodyPr/>
+                    <a:lstStyle/>
+                    <a:p>
+                      <a:r>
+                        <a:rPr lang="tr-TR" dirty="0"/>
+                        <a:t>3073</a:t>
+                      </a:r>
+                    </a:p>
+                  </a:txBody>
+                  <a:tcPr/>
+                </a:tc>
+                <a:tc>
+                  <a:txBody>
+                    <a:bodyPr/>
+                    <a:lstStyle/>
+                    <a:p>
+                      <a:r>
+                        <a:rPr lang="tr-TR" dirty="0"/>
+                        <a:t>3183</a:t>
+                      </a:r>
+                    </a:p>
+                  </a:txBody>
+                  <a:tcPr/>
+                </a:tc>
+                <a:tc>
+                  <a:txBody>
+                    <a:bodyPr/>
+                    <a:lstStyle/>
+                    <a:p>
+                      <a:r>
+                        <a:rPr lang="tr-TR" dirty="0"/>
+                        <a:t>3041</a:t>
+                      </a:r>
+                    </a:p>
+                  </a:txBody>
+                  <a:tcPr/>
+                </a:tc>
+                <a:tc>
+                  <a:txBody>
+                    <a:bodyPr/>
+                    <a:lstStyle/>
+                    <a:p>
+                      <a:r>
+                        <a:rPr lang="tr-TR" dirty="0"/>
+                        <a:t>10.640205361729615</a:t>
                       </a:r>
                     </a:p>
                   </a:txBody>
@@ -9567,59 +9568,59 @@
                     <a:p>
                       <a:r>
                         <a:rPr lang="tr-TR" dirty="0"/>
-                        <a:t>('maddesi', 'uyarınca')</a:t>
-                      </a:r>
-                    </a:p>
-                  </a:txBody>
-                  <a:tcPr/>
-                </a:tc>
-                <a:tc>
-                  <a:txBody>
-                    <a:bodyPr/>
-                    <a:lstStyle/>
-                    <a:p>
-                      <a:r>
-                        <a:rPr lang="tr-TR" dirty="0"/>
-                        <a:t>54512</a:t>
-                      </a:r>
-                    </a:p>
-                  </a:txBody>
-                  <a:tcPr/>
-                </a:tc>
-                <a:tc>
-                  <a:txBody>
-                    <a:bodyPr/>
-                    <a:lstStyle/>
-                    <a:p>
-                      <a:r>
-                        <a:rPr lang="tr-TR" dirty="0"/>
-                        <a:t>26571</a:t>
-                      </a:r>
-                    </a:p>
-                  </a:txBody>
-                  <a:tcPr/>
-                </a:tc>
-                <a:tc>
-                  <a:txBody>
-                    <a:bodyPr/>
-                    <a:lstStyle/>
-                    <a:p>
-                      <a:r>
-                        <a:rPr lang="tr-TR" dirty="0"/>
-                        <a:t>17213</a:t>
-                      </a:r>
-                    </a:p>
-                  </a:txBody>
-                  <a:tcPr/>
-                </a:tc>
-                <a:tc>
-                  <a:txBody>
-                    <a:bodyPr/>
-                    <a:lstStyle/>
-                    <a:p>
-                      <a:r>
-                        <a:rPr lang="tr-TR" dirty="0"/>
-                        <a:t>5.9308385592350366</a:t>
+                        <a:t>('açıklanmasının', 'geri')</a:t>
+                      </a:r>
+                    </a:p>
+                  </a:txBody>
+                  <a:tcPr/>
+                </a:tc>
+                <a:tc>
+                  <a:txBody>
+                    <a:bodyPr/>
+                    <a:lstStyle/>
+                    <a:p>
+                      <a:r>
+                        <a:rPr lang="tr-TR" dirty="0"/>
+                        <a:t>2716</a:t>
+                      </a:r>
+                    </a:p>
+                  </a:txBody>
+                  <a:tcPr/>
+                </a:tc>
+                <a:tc>
+                  <a:txBody>
+                    <a:bodyPr/>
+                    <a:lstStyle/>
+                    <a:p>
+                      <a:r>
+                        <a:rPr lang="tr-TR" dirty="0"/>
+                        <a:t>4376</a:t>
+                      </a:r>
+                    </a:p>
+                  </a:txBody>
+                  <a:tcPr/>
+                </a:tc>
+                <a:tc>
+                  <a:txBody>
+                    <a:bodyPr/>
+                    <a:lstStyle/>
+                    <a:p>
+                      <a:r>
+                        <a:rPr lang="tr-TR" dirty="0"/>
+                        <a:t>2691</a:t>
+                      </a:r>
+                    </a:p>
+                  </a:txBody>
+                  <a:tcPr/>
+                </a:tc>
+                <a:tc>
+                  <a:txBody>
+                    <a:bodyPr/>
+                    <a:lstStyle/>
+                    <a:p>
+                      <a:r>
+                        <a:rPr lang="tr-TR" dirty="0"/>
+                        <a:t>10.18274064253083</a:t>
                       </a:r>
                     </a:p>
                   </a:txBody>
@@ -9639,59 +9640,59 @@
                     <a:p>
                       <a:r>
                         <a:rPr lang="tr-TR" dirty="0"/>
-                        <a:t>('adliye', 'mahkemesi')</a:t>
-                      </a:r>
-                    </a:p>
-                  </a:txBody>
-                  <a:tcPr/>
-                </a:tc>
-                <a:tc>
-                  <a:txBody>
-                    <a:bodyPr/>
-                    <a:lstStyle/>
-                    <a:p>
-                      <a:r>
-                        <a:rPr lang="tr-TR" dirty="0"/>
-                        <a:t>19315</a:t>
-                      </a:r>
-                    </a:p>
-                  </a:txBody>
-                  <a:tcPr/>
-                </a:tc>
-                <a:tc>
-                  <a:txBody>
-                    <a:bodyPr/>
-                    <a:lstStyle/>
-                    <a:p>
-                      <a:r>
-                        <a:rPr lang="tr-TR" dirty="0"/>
-                        <a:t>20380</a:t>
-                      </a:r>
-                    </a:p>
-                  </a:txBody>
-                  <a:tcPr/>
-                </a:tc>
-                <a:tc>
-                  <a:txBody>
-                    <a:bodyPr/>
-                    <a:lstStyle/>
-                    <a:p>
-                      <a:r>
-                        <a:rPr lang="tr-TR" dirty="0"/>
-                        <a:t>12905</a:t>
-                      </a:r>
-                    </a:p>
-                  </a:txBody>
-                  <a:tcPr/>
-                </a:tc>
-                <a:tc>
-                  <a:txBody>
-                    <a:bodyPr/>
-                    <a:lstStyle/>
-                    <a:p>
-                      <a:r>
-                        <a:rPr lang="tr-TR" dirty="0"/>
-                        <a:t>7.394820786736563</a:t>
+                        <a:t>('delillerin', 'takdirinde')</a:t>
+                      </a:r>
+                    </a:p>
+                  </a:txBody>
+                  <a:tcPr/>
+                </a:tc>
+                <a:tc>
+                  <a:txBody>
+                    <a:bodyPr/>
+                    <a:lstStyle/>
+                    <a:p>
+                      <a:r>
+                        <a:rPr lang="tr-TR" dirty="0"/>
+                        <a:t>3933</a:t>
+                      </a:r>
+                    </a:p>
+                  </a:txBody>
+                  <a:tcPr/>
+                </a:tc>
+                <a:tc>
+                  <a:txBody>
+                    <a:bodyPr/>
+                    <a:lstStyle/>
+                    <a:p>
+                      <a:r>
+                        <a:rPr lang="tr-TR" dirty="0"/>
+                        <a:t>2652</a:t>
+                      </a:r>
+                    </a:p>
+                  </a:txBody>
+                  <a:tcPr/>
+                </a:tc>
+                <a:tc>
+                  <a:txBody>
+                    <a:bodyPr/>
+                    <a:lstStyle/>
+                    <a:p>
+                      <a:r>
+                        <a:rPr lang="tr-TR" dirty="0"/>
+                        <a:t>2350</a:t>
+                      </a:r>
+                    </a:p>
+                  </a:txBody>
+                  <a:tcPr/>
+                </a:tc>
+                <a:tc>
+                  <a:txBody>
+                    <a:bodyPr/>
+                    <a:lstStyle/>
+                    <a:p>
+                      <a:r>
+                        <a:rPr lang="tr-TR" dirty="0"/>
+                        <a:t>10.175644264324564</a:t>
                       </a:r>
                     </a:p>
                   </a:txBody>
@@ -9711,7 +9712,7 @@
                     <a:p>
                       <a:r>
                         <a:rPr lang="tr-TR" dirty="0"/>
-                        <a:t>('maddesi', 'gereğince')</a:t>
+                        <a:t>('kanının', 'oluştuğu')</a:t>
                       </a:r>
                     </a:p>
                   </a:txBody>
@@ -9750,20 +9751,20 @@
                     <a:p>
                       <a:r>
                         <a:rPr lang="tr-TR" dirty="0"/>
-                        <a:t>11693</a:t>
-                      </a:r>
-                    </a:p>
-                  </a:txBody>
-                  <a:tcPr/>
-                </a:tc>
-                <a:tc>
-                  <a:txBody>
-                    <a:bodyPr/>
-                    <a:lstStyle/>
-                    <a:p>
-                      <a:r>
-                        <a:rPr lang="tr-TR" dirty="0"/>
-                        <a:t>5.979114635676149</a:t>
+                        <a:t>3024</a:t>
+                      </a:r>
+                    </a:p>
+                  </a:txBody>
+                  <a:tcPr/>
+                </a:tc>
+                <a:tc>
+                  <a:txBody>
+                    <a:bodyPr/>
+                    <a:lstStyle/>
+                    <a:p>
+                      <a:r>
+                        <a:rPr lang="tr-TR" dirty="0"/>
+                        <a:t>9.94877359743398</a:t>
                       </a:r>
                     </a:p>
                   </a:txBody>
@@ -9783,7 +9784,7 @@
                     <a:p>
                       <a:r>
                         <a:rPr lang="tr-TR" dirty="0"/>
-                        <a:t>('oy', 'birliğiyle')</a:t>
+                        <a:t>('esasına', 'vicdani')</a:t>
                       </a:r>
                     </a:p>
                   </a:txBody>
@@ -9822,20 +9823,20 @@
                     <a:p>
                       <a:r>
                         <a:rPr lang="tr-TR" dirty="0"/>
-                        <a:t>10997</a:t>
-                      </a:r>
-                    </a:p>
-                  </a:txBody>
-                  <a:tcPr/>
-                </a:tc>
-                <a:tc>
-                  <a:txBody>
-                    <a:bodyPr/>
-                    <a:lstStyle/>
-                    <a:p>
-                      <a:r>
-                        <a:rPr lang="tr-TR" dirty="0"/>
-                        <a:t>8.48057512867376</a:t>
+                        <a:t>2940</a:t>
+                      </a:r>
+                    </a:p>
+                  </a:txBody>
+                  <a:tcPr/>
+                </a:tc>
+                <a:tc>
+                  <a:txBody>
+                    <a:bodyPr/>
+                    <a:lstStyle/>
+                    <a:p>
+                      <a:r>
+                        <a:rPr lang="tr-TR" dirty="0"/>
+                        <a:t>9.843867651292598</a:t>
                       </a:r>
                     </a:p>
                   </a:txBody>
@@ -9855,7 +9856,7 @@
                     <a:p>
                       <a:r>
                         <a:rPr lang="tr-TR" dirty="0"/>
-                        <a:t>('birliğiyle', 'karar')</a:t>
+                        <a:t>('ileri', 'sürülen')</a:t>
                       </a:r>
                     </a:p>
                   </a:txBody>
@@ -9894,20 +9895,20 @@
                     <a:p>
                       <a:r>
                         <a:rPr lang="tr-TR" dirty="0"/>
-                        <a:t>10994</a:t>
-                      </a:r>
-                    </a:p>
-                  </a:txBody>
-                  <a:tcPr/>
-                </a:tc>
-                <a:tc>
-                  <a:txBody>
-                    <a:bodyPr/>
-                    <a:lstStyle/>
-                    <a:p>
-                      <a:r>
-                        <a:rPr lang="tr-TR" dirty="0"/>
-                        <a:t>5.919517600761963</a:t>
+                        <a:t>2446</a:t>
+                      </a:r>
+                    </a:p>
+                  </a:txBody>
+                  <a:tcPr/>
+                </a:tc>
+                <a:tc>
+                  <a:txBody>
+                    <a:bodyPr/>
+                    <a:lstStyle/>
+                    <a:p>
+                      <a:r>
+                        <a:rPr lang="tr-TR" dirty="0"/>
+                        <a:t>9.820562506877716</a:t>
                       </a:r>
                     </a:p>
                   </a:txBody>
@@ -9927,7 +9928,7 @@
                     <a:p>
                       <a:r>
                         <a:rPr lang="tr-TR" dirty="0"/>
-                        <a:t>('tarihinde', 'oy')</a:t>
+                        <a:t>('rapor', 'dinlendikten')</a:t>
                       </a:r>
                     </a:p>
                   </a:txBody>
@@ -9966,20 +9967,20 @@
                     <a:p>
                       <a:r>
                         <a:rPr lang="tr-TR" dirty="0"/>
-                        <a:t>10221</a:t>
-                      </a:r>
-                    </a:p>
-                  </a:txBody>
-                  <a:tcPr/>
-                </a:tc>
-                <a:tc>
-                  <a:txBody>
-                    <a:bodyPr/>
-                    <a:lstStyle/>
-                    <a:p>
-                      <a:r>
-                        <a:rPr lang="tr-TR" dirty="0"/>
-                        <a:t>6.94124550225424</a:t>
+                        <a:t>3567</a:t>
+                      </a:r>
+                    </a:p>
+                  </a:txBody>
+                  <a:tcPr/>
+                </a:tc>
+                <a:tc>
+                  <a:txBody>
+                    <a:bodyPr/>
+                    <a:lstStyle/>
+                    <a:p>
+                      <a:r>
+                        <a:rPr lang="tr-TR" dirty="0"/>
+                        <a:t>9.818079578793713</a:t>
                       </a:r>
                     </a:p>
                   </a:txBody>
@@ -9999,7 +10000,7 @@
                     <a:p>
                       <a:r>
                         <a:rPr lang="tr-TR" dirty="0"/>
-                        <a:t>('karar', 'hüküm')</a:t>
+                        <a:t>('tetkik', 'hakimi')</a:t>
                       </a:r>
                     </a:p>
                   </a:txBody>
@@ -10038,20 +10039,20 @@
                     <a:p>
                       <a:r>
                         <a:rPr lang="tr-TR" dirty="0"/>
-                        <a:t>10218</a:t>
-                      </a:r>
-                    </a:p>
-                  </a:txBody>
-                  <a:tcPr/>
-                </a:tc>
-                <a:tc>
-                  <a:txBody>
-                    <a:bodyPr/>
-                    <a:lstStyle/>
-                    <a:p>
-                      <a:r>
-                        <a:rPr lang="tr-TR" dirty="0"/>
-                        <a:t>4.265484159517652</a:t>
+                        <a:t>4088</a:t>
+                      </a:r>
+                    </a:p>
+                  </a:txBody>
+                  <a:tcPr/>
+                </a:tc>
+                <a:tc>
+                  <a:txBody>
+                    <a:bodyPr/>
+                    <a:lstStyle/>
+                    <a:p>
+                      <a:r>
+                        <a:rPr lang="tr-TR" dirty="0"/>
+                        <a:t>9.742292320208879</a:t>
                       </a:r>
                     </a:p>
                   </a:txBody>
@@ -10071,7 +10072,7 @@
                     <a:p>
                       <a:r>
                         <a:rPr lang="tr-TR" dirty="0"/>
-                        <a:t>('temyiz', 'itirazlarının')</a:t>
+                        <a:t>('hükme', 'bağlanmış')</a:t>
                       </a:r>
                     </a:p>
                   </a:txBody>
@@ -10110,20 +10111,20 @@
                     <a:p>
                       <a:r>
                         <a:rPr lang="tr-TR" dirty="0"/>
-                        <a:t>9998</a:t>
-                      </a:r>
-                    </a:p>
-                  </a:txBody>
-                  <a:tcPr/>
-                </a:tc>
-                <a:tc>
-                  <a:txBody>
-                    <a:bodyPr/>
-                    <a:lstStyle/>
-                    <a:p>
-                      <a:r>
-                        <a:rPr lang="tr-TR" dirty="0"/>
-                        <a:t>5.732348460171372</a:t>
+                        <a:t>2990</a:t>
+                      </a:r>
+                    </a:p>
+                  </a:txBody>
+                  <a:tcPr/>
+                </a:tc>
+                <a:tc>
+                  <a:txBody>
+                    <a:bodyPr/>
+                    <a:lstStyle/>
+                    <a:p>
+                      <a:r>
+                        <a:rPr lang="tr-TR" dirty="0"/>
+                        <a:t>9.637899718377723</a:t>
                       </a:r>
                     </a:p>
                   </a:txBody>
